--- a/Jarvis_PP.pptx
+++ b/Jarvis_PP.pptx
@@ -107,6 +107,11 @@
       </a:defRPr>
     </a:lvl9pPr>
   </p:defaultTextStyle>
+  <p:extLst>
+    <p:ext uri="{EFAFB233-063F-42B5-8137-9DF3F51BA10A}">
+      <p15:sldGuideLst xmlns:p15="http://schemas.microsoft.com/office/powerpoint/2012/main"/>
+    </p:ext>
+  </p:extLst>
 </p:presentation>
 </file>
 
@@ -834,7 +839,7 @@
           <a:p>
             <a:fld id="{FF6291FC-97AC-40F4-8026-5C75BEE2CB6B}" type="datetimeFigureOut">
               <a:rPr lang="en-US" smtClean="0"/>
-              <a:t>3/11/2021</a:t>
+              <a:t>3/13/2021</a:t>
             </a:fld>
             <a:endParaRPr lang="en-US"/>
           </a:p>
@@ -1085,7 +1090,7 @@
           <a:p>
             <a:fld id="{FF6291FC-97AC-40F4-8026-5C75BEE2CB6B}" type="datetimeFigureOut">
               <a:rPr lang="en-US" smtClean="0"/>
-              <a:t>3/11/2021</a:t>
+              <a:t>3/13/2021</a:t>
             </a:fld>
             <a:endParaRPr lang="en-US"/>
           </a:p>
@@ -1399,7 +1404,7 @@
           <a:p>
             <a:fld id="{FF6291FC-97AC-40F4-8026-5C75BEE2CB6B}" type="datetimeFigureOut">
               <a:rPr lang="en-US" smtClean="0"/>
-              <a:t>3/11/2021</a:t>
+              <a:t>3/13/2021</a:t>
             </a:fld>
             <a:endParaRPr lang="en-US"/>
           </a:p>
@@ -1726,7 +1731,7 @@
           <a:p>
             <a:fld id="{FF6291FC-97AC-40F4-8026-5C75BEE2CB6B}" type="datetimeFigureOut">
               <a:rPr lang="en-US" smtClean="0"/>
-              <a:t>3/11/2021</a:t>
+              <a:t>3/13/2021</a:t>
             </a:fld>
             <a:endParaRPr lang="en-US"/>
           </a:p>
@@ -2040,7 +2045,7 @@
           <a:p>
             <a:fld id="{FF6291FC-97AC-40F4-8026-5C75BEE2CB6B}" type="datetimeFigureOut">
               <a:rPr lang="en-US" smtClean="0"/>
-              <a:t>3/11/2021</a:t>
+              <a:t>3/13/2021</a:t>
             </a:fld>
             <a:endParaRPr lang="en-US"/>
           </a:p>
@@ -2427,7 +2432,7 @@
           <a:p>
             <a:fld id="{FF6291FC-97AC-40F4-8026-5C75BEE2CB6B}" type="datetimeFigureOut">
               <a:rPr lang="en-US" smtClean="0"/>
-              <a:t>3/11/2021</a:t>
+              <a:t>3/13/2021</a:t>
             </a:fld>
             <a:endParaRPr lang="en-US"/>
           </a:p>
@@ -2597,7 +2602,7 @@
           <a:p>
             <a:fld id="{FF6291FC-97AC-40F4-8026-5C75BEE2CB6B}" type="datetimeFigureOut">
               <a:rPr lang="en-US" smtClean="0"/>
-              <a:t>3/11/2021</a:t>
+              <a:t>3/13/2021</a:t>
             </a:fld>
             <a:endParaRPr lang="en-US"/>
           </a:p>
@@ -2777,7 +2782,7 @@
           <a:p>
             <a:fld id="{FF6291FC-97AC-40F4-8026-5C75BEE2CB6B}" type="datetimeFigureOut">
               <a:rPr lang="en-US" smtClean="0"/>
-              <a:t>3/11/2021</a:t>
+              <a:t>3/13/2021</a:t>
             </a:fld>
             <a:endParaRPr lang="en-US"/>
           </a:p>
@@ -2953,7 +2958,7 @@
           <a:p>
             <a:fld id="{FF6291FC-97AC-40F4-8026-5C75BEE2CB6B}" type="datetimeFigureOut">
               <a:rPr lang="en-US" smtClean="0"/>
-              <a:t>3/11/2021</a:t>
+              <a:t>3/13/2021</a:t>
             </a:fld>
             <a:endParaRPr lang="en-US"/>
           </a:p>
@@ -3200,7 +3205,7 @@
           <a:p>
             <a:fld id="{FF6291FC-97AC-40F4-8026-5C75BEE2CB6B}" type="datetimeFigureOut">
               <a:rPr lang="en-US" smtClean="0"/>
-              <a:t>3/11/2021</a:t>
+              <a:t>3/13/2021</a:t>
             </a:fld>
             <a:endParaRPr lang="en-US"/>
           </a:p>
@@ -3432,7 +3437,7 @@
           <a:p>
             <a:fld id="{FF6291FC-97AC-40F4-8026-5C75BEE2CB6B}" type="datetimeFigureOut">
               <a:rPr lang="en-US" smtClean="0"/>
-              <a:t>3/11/2021</a:t>
+              <a:t>3/13/2021</a:t>
             </a:fld>
             <a:endParaRPr lang="en-US"/>
           </a:p>
@@ -3806,7 +3811,7 @@
           <a:p>
             <a:fld id="{FF6291FC-97AC-40F4-8026-5C75BEE2CB6B}" type="datetimeFigureOut">
               <a:rPr lang="en-US" smtClean="0"/>
-              <a:t>3/11/2021</a:t>
+              <a:t>3/13/2021</a:t>
             </a:fld>
             <a:endParaRPr lang="en-US"/>
           </a:p>
@@ -3929,7 +3934,7 @@
           <a:p>
             <a:fld id="{FF6291FC-97AC-40F4-8026-5C75BEE2CB6B}" type="datetimeFigureOut">
               <a:rPr lang="en-US" smtClean="0"/>
-              <a:t>3/11/2021</a:t>
+              <a:t>3/13/2021</a:t>
             </a:fld>
             <a:endParaRPr lang="en-US"/>
           </a:p>
@@ -4024,7 +4029,7 @@
           <a:p>
             <a:fld id="{FF6291FC-97AC-40F4-8026-5C75BEE2CB6B}" type="datetimeFigureOut">
               <a:rPr lang="en-US" smtClean="0"/>
-              <a:t>3/11/2021</a:t>
+              <a:t>3/13/2021</a:t>
             </a:fld>
             <a:endParaRPr lang="en-US"/>
           </a:p>
@@ -4279,7 +4284,7 @@
           <a:p>
             <a:fld id="{FF6291FC-97AC-40F4-8026-5C75BEE2CB6B}" type="datetimeFigureOut">
               <a:rPr lang="en-US" smtClean="0"/>
-              <a:t>3/11/2021</a:t>
+              <a:t>3/13/2021</a:t>
             </a:fld>
             <a:endParaRPr lang="en-US"/>
           </a:p>
@@ -4542,7 +4547,7 @@
           <a:p>
             <a:fld id="{FF6291FC-97AC-40F4-8026-5C75BEE2CB6B}" type="datetimeFigureOut">
               <a:rPr lang="en-US" smtClean="0"/>
-              <a:t>3/11/2021</a:t>
+              <a:t>3/13/2021</a:t>
             </a:fld>
             <a:endParaRPr lang="en-US"/>
           </a:p>
@@ -5287,7 +5292,7 @@
           <a:p>
             <a:fld id="{FF6291FC-97AC-40F4-8026-5C75BEE2CB6B}" type="datetimeFigureOut">
               <a:rPr lang="en-US" smtClean="0"/>
-              <a:t>3/11/2021</a:t>
+              <a:t>3/13/2021</a:t>
             </a:fld>
             <a:endParaRPr lang="en-US"/>
           </a:p>
@@ -5821,31 +5826,25 @@
             <p:ph type="ctrTitle"/>
           </p:nvPr>
         </p:nvSpPr>
-        <p:spPr/>
+        <p:spPr>
+          <a:xfrm>
+            <a:off x="1580958" y="1314643"/>
+            <a:ext cx="7766936" cy="1646302"/>
+          </a:xfrm>
+        </p:spPr>
         <p:txBody>
           <a:bodyPr/>
           <a:lstStyle/>
           <a:p>
-            <a:endParaRPr lang="en-US"/>
-          </a:p>
-        </p:txBody>
-      </p:sp>
-      <p:sp>
-        <p:nvSpPr>
-          <p:cNvPr id="3" name="Subtitle 2"/>
-          <p:cNvSpPr>
-            <a:spLocks noGrp="1"/>
-          </p:cNvSpPr>
-          <p:nvPr>
-            <p:ph type="subTitle" idx="1"/>
-          </p:nvPr>
-        </p:nvSpPr>
-        <p:spPr/>
-        <p:txBody>
-          <a:bodyPr/>
-          <a:lstStyle/>
-          <a:p>
-            <a:endParaRPr lang="en-US"/>
+            <a:pPr algn="ctr"/>
+            <a:r>
+              <a:rPr lang="en-US" b="1" dirty="0"/>
+              <a:t>NVIDIA JARVIS</a:t>
+            </a:r>
+            <a:br>
+              <a:rPr lang="en-US" b="1" dirty="0"/>
+            </a:br>
+            <a:endParaRPr lang="en-US" dirty="0"/>
           </a:p>
         </p:txBody>
       </p:sp>
